--- a/presentations/Node.js.pptx
+++ b/presentations/Node.js.pptx
@@ -7,15 +7,18 @@
   <p:sldIdLst>
     <p:sldId id="256" r:id="rId2"/>
     <p:sldId id="257" r:id="rId3"/>
-    <p:sldId id="258" r:id="rId4"/>
-    <p:sldId id="259" r:id="rId5"/>
-    <p:sldId id="260" r:id="rId6"/>
-    <p:sldId id="261" r:id="rId7"/>
-    <p:sldId id="262" r:id="rId8"/>
-    <p:sldId id="264" r:id="rId9"/>
-    <p:sldId id="263" r:id="rId10"/>
-    <p:sldId id="265" r:id="rId11"/>
-    <p:sldId id="266" r:id="rId12"/>
+    <p:sldId id="259" r:id="rId4"/>
+    <p:sldId id="260" r:id="rId5"/>
+    <p:sldId id="261" r:id="rId6"/>
+    <p:sldId id="262" r:id="rId7"/>
+    <p:sldId id="264" r:id="rId8"/>
+    <p:sldId id="258" r:id="rId9"/>
+    <p:sldId id="267" r:id="rId10"/>
+    <p:sldId id="268" r:id="rId11"/>
+    <p:sldId id="263" r:id="rId12"/>
+    <p:sldId id="265" r:id="rId13"/>
+    <p:sldId id="266" r:id="rId14"/>
+    <p:sldId id="269" r:id="rId15"/>
   </p:sldIdLst>
   <p:sldSz cx="12192000" cy="6858000"/>
   <p:notesSz cx="6858000" cy="9144000"/>
@@ -844,7 +847,7 @@
           <a:p>
             <a:fld id="{1DD39C5C-6D32-41C8-B126-7E275A6D862B}" type="datetimeFigureOut">
               <a:rPr lang="en-IL" smtClean="0"/>
-              <a:t>22/11/2020</a:t>
+              <a:t>25/01/2021</a:t>
             </a:fld>
             <a:endParaRPr lang="en-IL"/>
           </a:p>
@@ -1095,7 +1098,7 @@
           <a:p>
             <a:fld id="{1DD39C5C-6D32-41C8-B126-7E275A6D862B}" type="datetimeFigureOut">
               <a:rPr lang="en-IL" smtClean="0"/>
-              <a:t>22/11/2020</a:t>
+              <a:t>25/01/2021</a:t>
             </a:fld>
             <a:endParaRPr lang="en-IL"/>
           </a:p>
@@ -1409,7 +1412,7 @@
           <a:p>
             <a:fld id="{1DD39C5C-6D32-41C8-B126-7E275A6D862B}" type="datetimeFigureOut">
               <a:rPr lang="en-IL" smtClean="0"/>
-              <a:t>22/11/2020</a:t>
+              <a:t>25/01/2021</a:t>
             </a:fld>
             <a:endParaRPr lang="en-IL"/>
           </a:p>
@@ -1750,7 +1753,7 @@
           <a:p>
             <a:fld id="{1DD39C5C-6D32-41C8-B126-7E275A6D862B}" type="datetimeFigureOut">
               <a:rPr lang="en-IL" smtClean="0"/>
-              <a:t>22/11/2020</a:t>
+              <a:t>25/01/2021</a:t>
             </a:fld>
             <a:endParaRPr lang="en-IL"/>
           </a:p>
@@ -2064,7 +2067,7 @@
           <a:p>
             <a:fld id="{1DD39C5C-6D32-41C8-B126-7E275A6D862B}" type="datetimeFigureOut">
               <a:rPr lang="en-IL" smtClean="0"/>
-              <a:t>22/11/2020</a:t>
+              <a:t>25/01/2021</a:t>
             </a:fld>
             <a:endParaRPr lang="en-IL"/>
           </a:p>
@@ -2457,7 +2460,7 @@
           <a:p>
             <a:fld id="{1DD39C5C-6D32-41C8-B126-7E275A6D862B}" type="datetimeFigureOut">
               <a:rPr lang="en-IL" smtClean="0"/>
-              <a:t>22/11/2020</a:t>
+              <a:t>25/01/2021</a:t>
             </a:fld>
             <a:endParaRPr lang="en-IL"/>
           </a:p>
@@ -2627,7 +2630,7 @@
           <a:p>
             <a:fld id="{1DD39C5C-6D32-41C8-B126-7E275A6D862B}" type="datetimeFigureOut">
               <a:rPr lang="en-IL" smtClean="0"/>
-              <a:t>22/11/2020</a:t>
+              <a:t>25/01/2021</a:t>
             </a:fld>
             <a:endParaRPr lang="en-IL"/>
           </a:p>
@@ -2807,7 +2810,7 @@
           <a:p>
             <a:fld id="{1DD39C5C-6D32-41C8-B126-7E275A6D862B}" type="datetimeFigureOut">
               <a:rPr lang="en-IL" smtClean="0"/>
-              <a:t>22/11/2020</a:t>
+              <a:t>25/01/2021</a:t>
             </a:fld>
             <a:endParaRPr lang="en-IL"/>
           </a:p>
@@ -2983,7 +2986,7 @@
           <a:p>
             <a:fld id="{1DD39C5C-6D32-41C8-B126-7E275A6D862B}" type="datetimeFigureOut">
               <a:rPr lang="en-IL" smtClean="0"/>
-              <a:t>22/11/2020</a:t>
+              <a:t>25/01/2021</a:t>
             </a:fld>
             <a:endParaRPr lang="en-IL"/>
           </a:p>
@@ -3230,7 +3233,7 @@
           <a:p>
             <a:fld id="{1DD39C5C-6D32-41C8-B126-7E275A6D862B}" type="datetimeFigureOut">
               <a:rPr lang="en-IL" smtClean="0"/>
-              <a:t>22/11/2020</a:t>
+              <a:t>25/01/2021</a:t>
             </a:fld>
             <a:endParaRPr lang="en-IL"/>
           </a:p>
@@ -3462,7 +3465,7 @@
           <a:p>
             <a:fld id="{1DD39C5C-6D32-41C8-B126-7E275A6D862B}" type="datetimeFigureOut">
               <a:rPr lang="en-IL" smtClean="0"/>
-              <a:t>22/11/2020</a:t>
+              <a:t>25/01/2021</a:t>
             </a:fld>
             <a:endParaRPr lang="en-IL"/>
           </a:p>
@@ -3836,7 +3839,7 @@
           <a:p>
             <a:fld id="{1DD39C5C-6D32-41C8-B126-7E275A6D862B}" type="datetimeFigureOut">
               <a:rPr lang="en-IL" smtClean="0"/>
-              <a:t>22/11/2020</a:t>
+              <a:t>25/01/2021</a:t>
             </a:fld>
             <a:endParaRPr lang="en-IL"/>
           </a:p>
@@ -3959,7 +3962,7 @@
           <a:p>
             <a:fld id="{1DD39C5C-6D32-41C8-B126-7E275A6D862B}" type="datetimeFigureOut">
               <a:rPr lang="en-IL" smtClean="0"/>
-              <a:t>22/11/2020</a:t>
+              <a:t>25/01/2021</a:t>
             </a:fld>
             <a:endParaRPr lang="en-IL"/>
           </a:p>
@@ -4054,7 +4057,7 @@
           <a:p>
             <a:fld id="{1DD39C5C-6D32-41C8-B126-7E275A6D862B}" type="datetimeFigureOut">
               <a:rPr lang="en-IL" smtClean="0"/>
-              <a:t>22/11/2020</a:t>
+              <a:t>25/01/2021</a:t>
             </a:fld>
             <a:endParaRPr lang="en-IL"/>
           </a:p>
@@ -4309,7 +4312,7 @@
           <a:p>
             <a:fld id="{1DD39C5C-6D32-41C8-B126-7E275A6D862B}" type="datetimeFigureOut">
               <a:rPr lang="en-IL" smtClean="0"/>
-              <a:t>22/11/2020</a:t>
+              <a:t>25/01/2021</a:t>
             </a:fld>
             <a:endParaRPr lang="en-IL"/>
           </a:p>
@@ -4572,7 +4575,7 @@
           <a:p>
             <a:fld id="{1DD39C5C-6D32-41C8-B126-7E275A6D862B}" type="datetimeFigureOut">
               <a:rPr lang="en-IL" smtClean="0"/>
-              <a:t>22/11/2020</a:t>
+              <a:t>25/01/2021</a:t>
             </a:fld>
             <a:endParaRPr lang="en-IL"/>
           </a:p>
@@ -5315,7 +5318,7 @@
           <a:p>
             <a:fld id="{1DD39C5C-6D32-41C8-B126-7E275A6D862B}" type="datetimeFigureOut">
               <a:rPr lang="en-IL" smtClean="0"/>
-              <a:t>22/11/2020</a:t>
+              <a:t>25/01/2021</a:t>
             </a:fld>
             <a:endParaRPr lang="en-IL"/>
           </a:p>
@@ -5934,7 +5937,7 @@
           <p:cNvPr id="2" name="Title 1">
             <a:extLst>
               <a:ext uri="{FF2B5EF4-FFF2-40B4-BE49-F238E27FC236}">
-                <a16:creationId xmlns:a16="http://schemas.microsoft.com/office/drawing/2014/main" id="{BF09E88E-5D95-40C3-9938-6D79BCB2E6A9}"/>
+                <a16:creationId xmlns:a16="http://schemas.microsoft.com/office/drawing/2014/main" id="{EB0EA380-6E8D-41D4-A5EB-E2C0BD4760B3}"/>
               </a:ext>
             </a:extLst>
           </p:cNvPr>
@@ -5945,14 +5948,19 @@
             <p:ph type="title"/>
           </p:nvPr>
         </p:nvSpPr>
-        <p:spPr/>
+        <p:spPr>
+          <a:xfrm>
+            <a:off x="677334" y="609600"/>
+            <a:ext cx="8596668" cy="784194"/>
+          </a:xfrm>
+        </p:spPr>
         <p:txBody>
           <a:bodyPr/>
           <a:lstStyle/>
           <a:p>
             <a:r>
               <a:rPr lang="en-US" dirty="0"/>
-              <a:t>When looking for other platforms</a:t>
+              <a:t>Demo – First Applications</a:t>
             </a:r>
             <a:endParaRPr lang="en-IL" dirty="0"/>
           </a:p>
@@ -5963,7 +5971,7 @@
           <p:cNvPr id="3" name="Content Placeholder 2">
             <a:extLst>
               <a:ext uri="{FF2B5EF4-FFF2-40B4-BE49-F238E27FC236}">
-                <a16:creationId xmlns:a16="http://schemas.microsoft.com/office/drawing/2014/main" id="{ADD6D8EA-B86E-4814-8790-9EDC89C30B9B}"/>
+                <a16:creationId xmlns:a16="http://schemas.microsoft.com/office/drawing/2014/main" id="{80314DA3-2E33-4AB9-8DFC-A24BB5871717}"/>
               </a:ext>
             </a:extLst>
           </p:cNvPr>
@@ -5974,20 +5982,374 @@
             <p:ph idx="1"/>
           </p:nvPr>
         </p:nvSpPr>
-        <p:spPr/>
-        <p:txBody>
-          <a:bodyPr/>
+        <p:spPr>
+          <a:xfrm>
+            <a:off x="739478" y="1583541"/>
+            <a:ext cx="8596668" cy="4550929"/>
+          </a:xfrm>
+        </p:spPr>
+        <p:txBody>
+          <a:bodyPr>
+            <a:normAutofit/>
+          </a:bodyPr>
           <a:lstStyle/>
           <a:p>
             <a:r>
               <a:rPr lang="en-US" dirty="0"/>
-              <a:t>Heavy Computation</a:t>
+              <a:t>Create server.js file</a:t>
             </a:r>
           </a:p>
           <a:p>
             <a:r>
               <a:rPr lang="en-US" dirty="0"/>
-              <a:t>Large and Complicated Web Applications</a:t>
+              <a:t>Copy the next content to your file</a:t>
+            </a:r>
+          </a:p>
+          <a:p>
+            <a:endParaRPr lang="en-US" dirty="0"/>
+          </a:p>
+          <a:p>
+            <a:endParaRPr lang="en-US" dirty="0"/>
+          </a:p>
+          <a:p>
+            <a:endParaRPr lang="en-US" dirty="0"/>
+          </a:p>
+          <a:p>
+            <a:endParaRPr lang="en-US" dirty="0"/>
+          </a:p>
+          <a:p>
+            <a:endParaRPr lang="en-US" dirty="0"/>
+          </a:p>
+          <a:p>
+            <a:endParaRPr lang="en-US" dirty="0"/>
+          </a:p>
+          <a:p>
+            <a:endParaRPr lang="en-US" dirty="0"/>
+          </a:p>
+          <a:p>
+            <a:r>
+              <a:rPr lang="en-US" dirty="0"/>
+              <a:t>Open </a:t>
+            </a:r>
+            <a:r>
+              <a:rPr lang="en-US" dirty="0" err="1"/>
+              <a:t>cmd</a:t>
+            </a:r>
+            <a:r>
+              <a:rPr lang="en-US" dirty="0"/>
+              <a:t> and run “node server.js”</a:t>
+            </a:r>
+          </a:p>
+          <a:p>
+            <a:r>
+              <a:rPr lang="en-US" dirty="0"/>
+              <a:t>Test your application with chrome </a:t>
+            </a:r>
+            <a:r>
+              <a:rPr lang="en-US" dirty="0">
+                <a:hlinkClick r:id="rId2"/>
+              </a:rPr>
+              <a:t>http://127.0.0.1:8080</a:t>
+            </a:r>
+            <a:endParaRPr lang="en-US" dirty="0"/>
+          </a:p>
+          <a:p>
+            <a:endParaRPr lang="en-US" dirty="0"/>
+          </a:p>
+        </p:txBody>
+      </p:sp>
+      <p:sp>
+        <p:nvSpPr>
+          <p:cNvPr id="4" name="TextBox 3">
+            <a:extLst>
+              <a:ext uri="{FF2B5EF4-FFF2-40B4-BE49-F238E27FC236}">
+                <a16:creationId xmlns:a16="http://schemas.microsoft.com/office/drawing/2014/main" id="{9285F889-0B34-4356-A16F-E61A3A27AEC5}"/>
+              </a:ext>
+            </a:extLst>
+          </p:cNvPr>
+          <p:cNvSpPr txBox="1"/>
+          <p:nvPr/>
+        </p:nvSpPr>
+        <p:spPr>
+          <a:xfrm>
+            <a:off x="1970577" y="2518481"/>
+            <a:ext cx="6010182" cy="2031325"/>
+          </a:xfrm>
+          <a:prstGeom prst="rect">
+            <a:avLst/>
+          </a:prstGeom>
+          <a:noFill/>
+        </p:spPr>
+        <p:txBody>
+          <a:bodyPr wrap="square" rtlCol="0">
+            <a:spAutoFit/>
+          </a:bodyPr>
+          <a:lstStyle/>
+          <a:p>
+            <a:r>
+              <a:rPr lang="en-US" b="0" i="0" dirty="0">
+                <a:solidFill>
+                  <a:srgbClr val="0000CD"/>
+                </a:solidFill>
+                <a:effectLst/>
+                <a:latin typeface="Consolas" panose="020B0609020204030204" pitchFamily="49" charset="0"/>
+              </a:rPr>
+              <a:t>const</a:t>
+            </a:r>
+            <a:r>
+              <a:rPr lang="en-US" b="0" i="0" dirty="0">
+                <a:solidFill>
+                  <a:srgbClr val="000000"/>
+                </a:solidFill>
+                <a:effectLst/>
+                <a:latin typeface="Consolas" panose="020B0609020204030204" pitchFamily="49" charset="0"/>
+              </a:rPr>
+              <a:t> http = require(</a:t>
+            </a:r>
+            <a:r>
+              <a:rPr lang="en-US" b="0" i="0" dirty="0">
+                <a:solidFill>
+                  <a:srgbClr val="A52A2A"/>
+                </a:solidFill>
+                <a:effectLst/>
+                <a:latin typeface="Consolas" panose="020B0609020204030204" pitchFamily="49" charset="0"/>
+              </a:rPr>
+              <a:t>'http'</a:t>
+            </a:r>
+            <a:r>
+              <a:rPr lang="en-US" b="0" i="0" dirty="0">
+                <a:solidFill>
+                  <a:srgbClr val="000000"/>
+                </a:solidFill>
+                <a:effectLst/>
+                <a:latin typeface="Consolas" panose="020B0609020204030204" pitchFamily="49" charset="0"/>
+              </a:rPr>
+              <a:t>);</a:t>
+            </a:r>
+            <a:br>
+              <a:rPr lang="en-US" dirty="0"/>
+            </a:br>
+            <a:br>
+              <a:rPr lang="en-US" dirty="0"/>
+            </a:br>
+            <a:r>
+              <a:rPr lang="en-US" b="0" i="0" dirty="0" err="1">
+                <a:solidFill>
+                  <a:srgbClr val="000000"/>
+                </a:solidFill>
+                <a:effectLst/>
+                <a:latin typeface="Consolas" panose="020B0609020204030204" pitchFamily="49" charset="0"/>
+              </a:rPr>
+              <a:t>http.createServer</a:t>
+            </a:r>
+            <a:r>
+              <a:rPr lang="en-US" b="0" i="0" dirty="0">
+                <a:solidFill>
+                  <a:srgbClr val="000000"/>
+                </a:solidFill>
+                <a:effectLst/>
+                <a:latin typeface="Consolas" panose="020B0609020204030204" pitchFamily="49" charset="0"/>
+              </a:rPr>
+              <a:t>(</a:t>
+            </a:r>
+            <a:r>
+              <a:rPr lang="en-US" b="0" i="0" dirty="0">
+                <a:solidFill>
+                  <a:srgbClr val="0000CD"/>
+                </a:solidFill>
+                <a:effectLst/>
+                <a:latin typeface="Consolas" panose="020B0609020204030204" pitchFamily="49" charset="0"/>
+              </a:rPr>
+              <a:t>function</a:t>
+            </a:r>
+            <a:r>
+              <a:rPr lang="en-US" b="0" i="0" dirty="0">
+                <a:solidFill>
+                  <a:srgbClr val="000000"/>
+                </a:solidFill>
+                <a:effectLst/>
+                <a:latin typeface="Consolas" panose="020B0609020204030204" pitchFamily="49" charset="0"/>
+              </a:rPr>
+              <a:t> (req, res) {</a:t>
+            </a:r>
+            <a:br>
+              <a:rPr lang="en-US" dirty="0"/>
+            </a:br>
+            <a:r>
+              <a:rPr lang="en-US" b="0" i="0" dirty="0">
+                <a:solidFill>
+                  <a:srgbClr val="000000"/>
+                </a:solidFill>
+                <a:effectLst/>
+                <a:latin typeface="Consolas" panose="020B0609020204030204" pitchFamily="49" charset="0"/>
+              </a:rPr>
+              <a:t>  </a:t>
+            </a:r>
+            <a:r>
+              <a:rPr lang="en-US" b="0" i="0" dirty="0" err="1">
+                <a:solidFill>
+                  <a:srgbClr val="000000"/>
+                </a:solidFill>
+                <a:effectLst/>
+                <a:latin typeface="Consolas" panose="020B0609020204030204" pitchFamily="49" charset="0"/>
+              </a:rPr>
+              <a:t>res.writeHead</a:t>
+            </a:r>
+            <a:r>
+              <a:rPr lang="en-US" b="0" i="0" dirty="0">
+                <a:solidFill>
+                  <a:srgbClr val="000000"/>
+                </a:solidFill>
+                <a:effectLst/>
+                <a:latin typeface="Consolas" panose="020B0609020204030204" pitchFamily="49" charset="0"/>
+              </a:rPr>
+              <a:t>(</a:t>
+            </a:r>
+            <a:r>
+              <a:rPr lang="en-US" b="0" i="0" dirty="0">
+                <a:solidFill>
+                  <a:srgbClr val="FF0000"/>
+                </a:solidFill>
+                <a:effectLst/>
+                <a:latin typeface="Consolas" panose="020B0609020204030204" pitchFamily="49" charset="0"/>
+              </a:rPr>
+              <a:t>200</a:t>
+            </a:r>
+            <a:r>
+              <a:rPr lang="en-US" b="0" i="0" dirty="0">
+                <a:solidFill>
+                  <a:srgbClr val="000000"/>
+                </a:solidFill>
+                <a:effectLst/>
+                <a:latin typeface="Consolas" panose="020B0609020204030204" pitchFamily="49" charset="0"/>
+              </a:rPr>
+              <a:t>, {</a:t>
+            </a:r>
+            <a:r>
+              <a:rPr lang="en-US" b="0" i="0" dirty="0">
+                <a:solidFill>
+                  <a:srgbClr val="A52A2A"/>
+                </a:solidFill>
+                <a:effectLst/>
+                <a:latin typeface="Consolas" panose="020B0609020204030204" pitchFamily="49" charset="0"/>
+              </a:rPr>
+              <a:t>'Content-Type'</a:t>
+            </a:r>
+            <a:r>
+              <a:rPr lang="en-US" b="0" i="0" dirty="0">
+                <a:solidFill>
+                  <a:srgbClr val="000000"/>
+                </a:solidFill>
+                <a:effectLst/>
+                <a:latin typeface="Consolas" panose="020B0609020204030204" pitchFamily="49" charset="0"/>
+              </a:rPr>
+              <a:t>: </a:t>
+            </a:r>
+            <a:r>
+              <a:rPr lang="en-US" b="0" i="0" dirty="0">
+                <a:solidFill>
+                  <a:srgbClr val="A52A2A"/>
+                </a:solidFill>
+                <a:effectLst/>
+                <a:latin typeface="Consolas" panose="020B0609020204030204" pitchFamily="49" charset="0"/>
+              </a:rPr>
+              <a:t>'text/plain'</a:t>
+            </a:r>
+            <a:r>
+              <a:rPr lang="en-US" b="0" i="0" dirty="0">
+                <a:solidFill>
+                  <a:srgbClr val="000000"/>
+                </a:solidFill>
+                <a:effectLst/>
+                <a:latin typeface="Consolas" panose="020B0609020204030204" pitchFamily="49" charset="0"/>
+              </a:rPr>
+              <a:t>});</a:t>
+            </a:r>
+            <a:br>
+              <a:rPr lang="en-US" dirty="0"/>
+            </a:br>
+            <a:r>
+              <a:rPr lang="en-US" b="0" i="0" dirty="0">
+                <a:solidFill>
+                  <a:srgbClr val="000000"/>
+                </a:solidFill>
+                <a:effectLst/>
+                <a:latin typeface="Consolas" panose="020B0609020204030204" pitchFamily="49" charset="0"/>
+              </a:rPr>
+              <a:t>  </a:t>
+            </a:r>
+            <a:r>
+              <a:rPr lang="en-US" b="0" i="0" dirty="0" err="1">
+                <a:solidFill>
+                  <a:srgbClr val="000000"/>
+                </a:solidFill>
+                <a:effectLst/>
+                <a:latin typeface="Consolas" panose="020B0609020204030204" pitchFamily="49" charset="0"/>
+              </a:rPr>
+              <a:t>res.end</a:t>
+            </a:r>
+            <a:r>
+              <a:rPr lang="en-US" b="0" i="0" dirty="0">
+                <a:solidFill>
+                  <a:srgbClr val="000000"/>
+                </a:solidFill>
+                <a:effectLst/>
+                <a:latin typeface="Consolas" panose="020B0609020204030204" pitchFamily="49" charset="0"/>
+              </a:rPr>
+              <a:t>(</a:t>
+            </a:r>
+            <a:r>
+              <a:rPr lang="en-US" b="0" i="0" dirty="0">
+                <a:solidFill>
+                  <a:srgbClr val="A52A2A"/>
+                </a:solidFill>
+                <a:effectLst/>
+                <a:latin typeface="Consolas" panose="020B0609020204030204" pitchFamily="49" charset="0"/>
+              </a:rPr>
+              <a:t>'Hello World!'</a:t>
+            </a:r>
+            <a:r>
+              <a:rPr lang="en-US" b="0" i="0" dirty="0">
+                <a:solidFill>
+                  <a:srgbClr val="000000"/>
+                </a:solidFill>
+                <a:effectLst/>
+                <a:latin typeface="Consolas" panose="020B0609020204030204" pitchFamily="49" charset="0"/>
+              </a:rPr>
+              <a:t>);</a:t>
+            </a:r>
+            <a:br>
+              <a:rPr lang="en-US" dirty="0"/>
+            </a:br>
+            <a:r>
+              <a:rPr lang="en-US" b="0" i="0" dirty="0">
+                <a:solidFill>
+                  <a:srgbClr val="000000"/>
+                </a:solidFill>
+                <a:effectLst/>
+                <a:latin typeface="Consolas" panose="020B0609020204030204" pitchFamily="49" charset="0"/>
+              </a:rPr>
+              <a:t>}).listen(</a:t>
+            </a:r>
+            <a:r>
+              <a:rPr lang="en-US" b="0" i="0" dirty="0">
+                <a:solidFill>
+                  <a:srgbClr val="FF0000"/>
+                </a:solidFill>
+                <a:effectLst/>
+                <a:latin typeface="Consolas" panose="020B0609020204030204" pitchFamily="49" charset="0"/>
+              </a:rPr>
+              <a:t>8080</a:t>
+            </a:r>
+            <a:r>
+              <a:rPr lang="en-US" b="0" i="0" dirty="0">
+                <a:solidFill>
+                  <a:srgbClr val="000000"/>
+                </a:solidFill>
+                <a:effectLst/>
+                <a:latin typeface="Consolas" panose="020B0609020204030204" pitchFamily="49" charset="0"/>
+              </a:rPr>
+              <a:t>);</a:t>
             </a:r>
             <a:endParaRPr lang="en-IL" dirty="0"/>
           </a:p>
@@ -5996,7 +6358,7 @@
     </p:spTree>
     <p:extLst>
       <p:ext uri="{BB962C8B-B14F-4D97-AF65-F5344CB8AC3E}">
-        <p14:creationId xmlns:p14="http://schemas.microsoft.com/office/powerpoint/2010/main" val="1280712691"/>
+        <p14:creationId xmlns:p14="http://schemas.microsoft.com/office/powerpoint/2010/main" val="964860041"/>
       </p:ext>
     </p:extLst>
   </p:cSld>
@@ -6028,6 +6390,228 @@
           <p:cNvPr id="2" name="Title 1">
             <a:extLst>
               <a:ext uri="{FF2B5EF4-FFF2-40B4-BE49-F238E27FC236}">
+                <a16:creationId xmlns:a16="http://schemas.microsoft.com/office/drawing/2014/main" id="{2A3123F0-4C87-45B8-A309-40A158778826}"/>
+              </a:ext>
+            </a:extLst>
+          </p:cNvPr>
+          <p:cNvSpPr>
+            <a:spLocks noGrp="1"/>
+          </p:cNvSpPr>
+          <p:nvPr>
+            <p:ph type="title"/>
+          </p:nvPr>
+        </p:nvSpPr>
+        <p:spPr>
+          <a:xfrm>
+            <a:off x="677334" y="609600"/>
+            <a:ext cx="8596668" cy="1320800"/>
+          </a:xfrm>
+        </p:spPr>
+        <p:txBody>
+          <a:bodyPr/>
+          <a:lstStyle/>
+          <a:p>
+            <a:r>
+              <a:rPr lang="en-US" dirty="0"/>
+              <a:t>When to use Node.js</a:t>
+            </a:r>
+            <a:endParaRPr lang="en-IL" dirty="0"/>
+          </a:p>
+        </p:txBody>
+      </p:sp>
+      <p:sp>
+        <p:nvSpPr>
+          <p:cNvPr id="3" name="Content Placeholder 2">
+            <a:extLst>
+              <a:ext uri="{FF2B5EF4-FFF2-40B4-BE49-F238E27FC236}">
+                <a16:creationId xmlns:a16="http://schemas.microsoft.com/office/drawing/2014/main" id="{1973982A-C3F8-4B67-803C-D81542F2438F}"/>
+              </a:ext>
+            </a:extLst>
+          </p:cNvPr>
+          <p:cNvSpPr>
+            <a:spLocks noGrp="1"/>
+          </p:cNvSpPr>
+          <p:nvPr>
+            <p:ph idx="1"/>
+          </p:nvPr>
+        </p:nvSpPr>
+        <p:spPr/>
+        <p:txBody>
+          <a:bodyPr/>
+          <a:lstStyle/>
+          <a:p>
+            <a:r>
+              <a:rPr lang="en-US" dirty="0"/>
+              <a:t>Few CPU Cycles </a:t>
+            </a:r>
+          </a:p>
+          <a:p>
+            <a:r>
+              <a:rPr lang="en-US" dirty="0"/>
+              <a:t>I/O Operations</a:t>
+            </a:r>
+          </a:p>
+          <a:p>
+            <a:r>
+              <a:rPr lang="en-US" dirty="0"/>
+              <a:t>Chat/ messaging</a:t>
+            </a:r>
+          </a:p>
+          <a:p>
+            <a:r>
+              <a:rPr lang="en-US" dirty="0"/>
+              <a:t>Real – Time Applications</a:t>
+            </a:r>
+          </a:p>
+          <a:p>
+            <a:r>
+              <a:rPr lang="en-US" dirty="0"/>
+              <a:t>Communication Hubs</a:t>
+            </a:r>
+          </a:p>
+          <a:p>
+            <a:r>
+              <a:rPr lang="en-US" dirty="0"/>
+              <a:t>High Concurrency Applications</a:t>
+            </a:r>
+          </a:p>
+          <a:p>
+            <a:r>
+              <a:rPr lang="en-US" dirty="0"/>
+              <a:t>Microservices</a:t>
+            </a:r>
+          </a:p>
+        </p:txBody>
+      </p:sp>
+    </p:spTree>
+    <p:extLst>
+      <p:ext uri="{BB962C8B-B14F-4D97-AF65-F5344CB8AC3E}">
+        <p14:creationId xmlns:p14="http://schemas.microsoft.com/office/powerpoint/2010/main" val="139679299"/>
+      </p:ext>
+    </p:extLst>
+  </p:cSld>
+  <p:clrMapOvr>
+    <a:masterClrMapping/>
+  </p:clrMapOvr>
+</p:sld>
+</file>
+
+<file path=ppt/slides/slide12.xml><?xml version="1.0" encoding="utf-8"?>
+<p:sld xmlns:a="http://schemas.openxmlformats.org/drawingml/2006/main" xmlns:r="http://schemas.openxmlformats.org/officeDocument/2006/relationships" xmlns:p="http://schemas.openxmlformats.org/presentationml/2006/main">
+  <p:cSld>
+    <p:spTree>
+      <p:nvGrpSpPr>
+        <p:cNvPr id="1" name=""/>
+        <p:cNvGrpSpPr/>
+        <p:nvPr/>
+      </p:nvGrpSpPr>
+      <p:grpSpPr>
+        <a:xfrm>
+          <a:off x="0" y="0"/>
+          <a:ext cx="0" cy="0"/>
+          <a:chOff x="0" y="0"/>
+          <a:chExt cx="0" cy="0"/>
+        </a:xfrm>
+      </p:grpSpPr>
+      <p:sp>
+        <p:nvSpPr>
+          <p:cNvPr id="2" name="Title 1">
+            <a:extLst>
+              <a:ext uri="{FF2B5EF4-FFF2-40B4-BE49-F238E27FC236}">
+                <a16:creationId xmlns:a16="http://schemas.microsoft.com/office/drawing/2014/main" id="{BF09E88E-5D95-40C3-9938-6D79BCB2E6A9}"/>
+              </a:ext>
+            </a:extLst>
+          </p:cNvPr>
+          <p:cNvSpPr>
+            <a:spLocks noGrp="1"/>
+          </p:cNvSpPr>
+          <p:nvPr>
+            <p:ph type="title"/>
+          </p:nvPr>
+        </p:nvSpPr>
+        <p:spPr/>
+        <p:txBody>
+          <a:bodyPr/>
+          <a:lstStyle/>
+          <a:p>
+            <a:r>
+              <a:rPr lang="en-US" dirty="0"/>
+              <a:t>When looking for other platforms</a:t>
+            </a:r>
+            <a:endParaRPr lang="en-IL" dirty="0"/>
+          </a:p>
+        </p:txBody>
+      </p:sp>
+      <p:sp>
+        <p:nvSpPr>
+          <p:cNvPr id="3" name="Content Placeholder 2">
+            <a:extLst>
+              <a:ext uri="{FF2B5EF4-FFF2-40B4-BE49-F238E27FC236}">
+                <a16:creationId xmlns:a16="http://schemas.microsoft.com/office/drawing/2014/main" id="{ADD6D8EA-B86E-4814-8790-9EDC89C30B9B}"/>
+              </a:ext>
+            </a:extLst>
+          </p:cNvPr>
+          <p:cNvSpPr>
+            <a:spLocks noGrp="1"/>
+          </p:cNvSpPr>
+          <p:nvPr>
+            <p:ph idx="1"/>
+          </p:nvPr>
+        </p:nvSpPr>
+        <p:spPr/>
+        <p:txBody>
+          <a:bodyPr/>
+          <a:lstStyle/>
+          <a:p>
+            <a:r>
+              <a:rPr lang="en-US" dirty="0"/>
+              <a:t>Heavy Computation</a:t>
+            </a:r>
+          </a:p>
+          <a:p>
+            <a:r>
+              <a:rPr lang="en-US" dirty="0"/>
+              <a:t>Large and Complicated Web Applications</a:t>
+            </a:r>
+            <a:endParaRPr lang="en-IL" dirty="0"/>
+          </a:p>
+        </p:txBody>
+      </p:sp>
+    </p:spTree>
+    <p:extLst>
+      <p:ext uri="{BB962C8B-B14F-4D97-AF65-F5344CB8AC3E}">
+        <p14:creationId xmlns:p14="http://schemas.microsoft.com/office/powerpoint/2010/main" val="1280712691"/>
+      </p:ext>
+    </p:extLst>
+  </p:cSld>
+  <p:clrMapOvr>
+    <a:masterClrMapping/>
+  </p:clrMapOvr>
+</p:sld>
+</file>
+
+<file path=ppt/slides/slide13.xml><?xml version="1.0" encoding="utf-8"?>
+<p:sld xmlns:a="http://schemas.openxmlformats.org/drawingml/2006/main" xmlns:r="http://schemas.openxmlformats.org/officeDocument/2006/relationships" xmlns:p="http://schemas.openxmlformats.org/presentationml/2006/main">
+  <p:cSld>
+    <p:spTree>
+      <p:nvGrpSpPr>
+        <p:cNvPr id="1" name=""/>
+        <p:cNvGrpSpPr/>
+        <p:nvPr/>
+      </p:nvGrpSpPr>
+      <p:grpSpPr>
+        <a:xfrm>
+          <a:off x="0" y="0"/>
+          <a:ext cx="0" cy="0"/>
+          <a:chOff x="0" y="0"/>
+          <a:chExt cx="0" cy="0"/>
+        </a:xfrm>
+      </p:grpSpPr>
+      <p:sp>
+        <p:nvSpPr>
+          <p:cNvPr id="2" name="Title 1">
+            <a:extLst>
+              <a:ext uri="{FF2B5EF4-FFF2-40B4-BE49-F238E27FC236}">
                 <a16:creationId xmlns:a16="http://schemas.microsoft.com/office/drawing/2014/main" id="{BB93B1DC-3F1E-48DB-A21E-CDBD49F9CAE6}"/>
               </a:ext>
             </a:extLst>
@@ -6068,7 +6652,12 @@
             <p:ph idx="1"/>
           </p:nvPr>
         </p:nvSpPr>
-        <p:spPr/>
+        <p:spPr>
+          <a:xfrm>
+            <a:off x="677334" y="1746065"/>
+            <a:ext cx="8596668" cy="3880773"/>
+          </a:xfrm>
+        </p:spPr>
         <p:txBody>
           <a:bodyPr/>
           <a:lstStyle/>
@@ -6162,6 +6751,180 @@
     <p:extLst>
       <p:ext uri="{BB962C8B-B14F-4D97-AF65-F5344CB8AC3E}">
         <p14:creationId xmlns:p14="http://schemas.microsoft.com/office/powerpoint/2010/main" val="1239447472"/>
+      </p:ext>
+    </p:extLst>
+  </p:cSld>
+  <p:clrMapOvr>
+    <a:masterClrMapping/>
+  </p:clrMapOvr>
+</p:sld>
+</file>
+
+<file path=ppt/slides/slide14.xml><?xml version="1.0" encoding="utf-8"?>
+<p:sld xmlns:a="http://schemas.openxmlformats.org/drawingml/2006/main" xmlns:r="http://schemas.openxmlformats.org/officeDocument/2006/relationships" xmlns:p="http://schemas.openxmlformats.org/presentationml/2006/main">
+  <p:cSld>
+    <p:spTree>
+      <p:nvGrpSpPr>
+        <p:cNvPr id="1" name=""/>
+        <p:cNvGrpSpPr/>
+        <p:nvPr/>
+      </p:nvGrpSpPr>
+      <p:grpSpPr>
+        <a:xfrm>
+          <a:off x="0" y="0"/>
+          <a:ext cx="0" cy="0"/>
+          <a:chOff x="0" y="0"/>
+          <a:chExt cx="0" cy="0"/>
+        </a:xfrm>
+      </p:grpSpPr>
+      <p:sp>
+        <p:nvSpPr>
+          <p:cNvPr id="2" name="Title 1">
+            <a:extLst>
+              <a:ext uri="{FF2B5EF4-FFF2-40B4-BE49-F238E27FC236}">
+                <a16:creationId xmlns:a16="http://schemas.microsoft.com/office/drawing/2014/main" id="{A154DACE-7FC4-44AE-ADBD-BADFAD6C1BE1}"/>
+              </a:ext>
+            </a:extLst>
+          </p:cNvPr>
+          <p:cNvSpPr>
+            <a:spLocks noGrp="1"/>
+          </p:cNvSpPr>
+          <p:nvPr>
+            <p:ph type="title"/>
+          </p:nvPr>
+        </p:nvSpPr>
+        <p:spPr/>
+        <p:txBody>
+          <a:bodyPr/>
+          <a:lstStyle/>
+          <a:p>
+            <a:r>
+              <a:rPr lang="en-US" dirty="0"/>
+              <a:t>More information resources</a:t>
+            </a:r>
+            <a:endParaRPr lang="en-IL" dirty="0"/>
+          </a:p>
+        </p:txBody>
+      </p:sp>
+      <p:sp>
+        <p:nvSpPr>
+          <p:cNvPr id="3" name="Content Placeholder 2">
+            <a:extLst>
+              <a:ext uri="{FF2B5EF4-FFF2-40B4-BE49-F238E27FC236}">
+                <a16:creationId xmlns:a16="http://schemas.microsoft.com/office/drawing/2014/main" id="{15519894-185F-4DDF-A343-66EEC84EEF6E}"/>
+              </a:ext>
+            </a:extLst>
+          </p:cNvPr>
+          <p:cNvSpPr>
+            <a:spLocks noGrp="1"/>
+          </p:cNvSpPr>
+          <p:nvPr>
+            <p:ph idx="1"/>
+          </p:nvPr>
+        </p:nvSpPr>
+        <p:spPr/>
+        <p:txBody>
+          <a:bodyPr/>
+          <a:lstStyle/>
+          <a:p>
+            <a:r>
+              <a:rPr lang="en-US" dirty="0"/>
+              <a:t>Node.js </a:t>
+            </a:r>
+            <a:r>
+              <a:rPr lang="en-US" b="0" i="0" dirty="0">
+                <a:solidFill>
+                  <a:srgbClr val="333333"/>
+                </a:solidFill>
+                <a:effectLst/>
+                <a:latin typeface="Source Sans Pro" panose="020B0503030403020204" pitchFamily="34" charset="0"/>
+              </a:rPr>
+              <a:t>documentation</a:t>
+            </a:r>
+            <a:r>
+              <a:rPr lang="en-US" dirty="0"/>
+              <a:t> - </a:t>
+            </a:r>
+            <a:r>
+              <a:rPr lang="en-US" dirty="0">
+                <a:hlinkClick r:id="rId2"/>
+              </a:rPr>
+              <a:t>https://nodejs.org/en/docs/</a:t>
+            </a:r>
+            <a:endParaRPr lang="en-US" dirty="0"/>
+          </a:p>
+          <a:p>
+            <a:r>
+              <a:rPr lang="en-US" dirty="0"/>
+              <a:t>Node.js Tutorial - </a:t>
+            </a:r>
+            <a:r>
+              <a:rPr lang="en-US" dirty="0">
+                <a:hlinkClick r:id="rId3"/>
+              </a:rPr>
+              <a:t>https://www.tutorialspoint.com/nodejs/index.htm</a:t>
+            </a:r>
+            <a:endParaRPr lang="en-US" dirty="0"/>
+          </a:p>
+          <a:p>
+            <a:endParaRPr lang="en-US" dirty="0"/>
+          </a:p>
+          <a:p>
+            <a:endParaRPr lang="en-IL" dirty="0"/>
+          </a:p>
+        </p:txBody>
+      </p:sp>
+      <p:pic>
+        <p:nvPicPr>
+          <p:cNvPr id="4" name="Picture 2" descr="Node.js – ויקיפדיה">
+            <a:extLst>
+              <a:ext uri="{FF2B5EF4-FFF2-40B4-BE49-F238E27FC236}">
+                <a16:creationId xmlns:a16="http://schemas.microsoft.com/office/drawing/2014/main" id="{3B8113B8-E4BF-4D9B-BF00-42FD81241575}"/>
+              </a:ext>
+            </a:extLst>
+          </p:cNvPr>
+          <p:cNvPicPr>
+            <a:picLocks noChangeAspect="1" noChangeArrowheads="1"/>
+          </p:cNvPicPr>
+          <p:nvPr/>
+        </p:nvPicPr>
+        <p:blipFill>
+          <a:blip r:embed="rId4">
+            <a:extLst>
+              <a:ext uri="{28A0092B-C50C-407E-A947-70E740481C1C}">
+                <a14:useLocalDpi xmlns:a14="http://schemas.microsoft.com/office/drawing/2010/main" val="0"/>
+              </a:ext>
+            </a:extLst>
+          </a:blip>
+          <a:srcRect/>
+          <a:stretch>
+            <a:fillRect/>
+          </a:stretch>
+        </p:blipFill>
+        <p:spPr bwMode="auto">
+          <a:xfrm>
+            <a:off x="3332952" y="4031867"/>
+            <a:ext cx="3285432" cy="2009495"/>
+          </a:xfrm>
+          <a:prstGeom prst="rect">
+            <a:avLst/>
+          </a:prstGeom>
+          <a:noFill/>
+          <a:extLst>
+            <a:ext uri="{909E8E84-426E-40DD-AFC4-6F175D3DCCD1}">
+              <a14:hiddenFill xmlns:a14="http://schemas.microsoft.com/office/drawing/2010/main">
+                <a:solidFill>
+                  <a:srgbClr val="FFFFFF"/>
+                </a:solidFill>
+              </a14:hiddenFill>
+            </a:ext>
+          </a:extLst>
+        </p:spPr>
+      </p:pic>
+    </p:spTree>
+    <p:extLst>
+      <p:ext uri="{BB962C8B-B14F-4D97-AF65-F5344CB8AC3E}">
+        <p14:creationId xmlns:p14="http://schemas.microsoft.com/office/powerpoint/2010/main" val="1918953539"/>
       </p:ext>
     </p:extLst>
   </p:cSld>
@@ -6240,12 +7003,6 @@
           <a:p>
             <a:r>
               <a:rPr lang="en-US" dirty="0"/>
-              <a:t>Why Node.js?</a:t>
-            </a:r>
-          </a:p>
-          <a:p>
-            <a:r>
-              <a:rPr lang="en-US" dirty="0"/>
               <a:t>What is Node.js?</a:t>
             </a:r>
           </a:p>
@@ -6258,25 +7015,26 @@
           <a:p>
             <a:r>
               <a:rPr lang="en-US" dirty="0"/>
-              <a:t>Evented I/O</a:t>
+              <a:t>Node.js Event Loop</a:t>
             </a:r>
           </a:p>
           <a:p>
             <a:r>
               <a:rPr lang="en-US" dirty="0"/>
-              <a:t>Node.js Event Loop</a:t>
+              <a:t>Why Node.js?</a:t>
             </a:r>
           </a:p>
           <a:p>
             <a:r>
               <a:rPr lang="en-US" dirty="0"/>
-              <a:t>Where to use </a:t>
-            </a:r>
-            <a:r>
-              <a:rPr lang="en-US"/>
-              <a:t>Node JS</a:t>
-            </a:r>
-            <a:endParaRPr lang="en-US" dirty="0"/>
+              <a:t>Demos</a:t>
+            </a:r>
+          </a:p>
+          <a:p>
+            <a:r>
+              <a:rPr lang="en-US" dirty="0"/>
+              <a:t>Where to use Node JS</a:t>
+            </a:r>
           </a:p>
         </p:txBody>
       </p:sp>
@@ -6315,7 +7073,7 @@
           <p:cNvPr id="2" name="Title 1">
             <a:extLst>
               <a:ext uri="{FF2B5EF4-FFF2-40B4-BE49-F238E27FC236}">
-                <a16:creationId xmlns:a16="http://schemas.microsoft.com/office/drawing/2014/main" id="{12B6F22E-47F2-4640-9F07-6D7B2D69E91E}"/>
+                <a16:creationId xmlns:a16="http://schemas.microsoft.com/office/drawing/2014/main" id="{511D8063-D422-4AFF-97BB-5FAA36E6FCE3}"/>
               </a:ext>
             </a:extLst>
           </p:cNvPr>
@@ -6333,7 +7091,7 @@
           <a:p>
             <a:r>
               <a:rPr lang="en-US" dirty="0"/>
-              <a:t>Why Node.js</a:t>
+              <a:t>What is Node.js</a:t>
             </a:r>
             <a:endParaRPr lang="en-IL" dirty="0"/>
           </a:p>
@@ -6344,7 +7102,7 @@
           <p:cNvPr id="3" name="Content Placeholder 2">
             <a:extLst>
               <a:ext uri="{FF2B5EF4-FFF2-40B4-BE49-F238E27FC236}">
-                <a16:creationId xmlns:a16="http://schemas.microsoft.com/office/drawing/2014/main" id="{EE31D3AA-4899-411E-BD51-D4DE077DE8C3}"/>
+                <a16:creationId xmlns:a16="http://schemas.microsoft.com/office/drawing/2014/main" id="{E169A54E-3D1E-416F-BBE3-1826957D8F53}"/>
               </a:ext>
             </a:extLst>
           </p:cNvPr>
@@ -6355,37 +7113,50 @@
             <p:ph idx="1"/>
           </p:nvPr>
         </p:nvSpPr>
-        <p:spPr/>
+        <p:spPr>
+          <a:xfrm>
+            <a:off x="677334" y="1930400"/>
+            <a:ext cx="8596668" cy="3880773"/>
+          </a:xfrm>
+        </p:spPr>
         <p:txBody>
           <a:bodyPr/>
           <a:lstStyle/>
           <a:p>
             <a:r>
               <a:rPr lang="en-US" dirty="0"/>
-              <a:t>Provide Easy Way to Build Scalable Network Programs</a:t>
+              <a:t>It was created by Ryan Dahl in 2009</a:t>
             </a:r>
           </a:p>
           <a:p>
             <a:r>
               <a:rPr lang="en-US" dirty="0"/>
-              <a:t>Allows to run JavaScript code in the backend, outside a browse.</a:t>
+              <a:t>It is an open source , cross platform runtime environment for server side and networking application</a:t>
             </a:r>
           </a:p>
           <a:p>
             <a:r>
               <a:rPr lang="en-US" dirty="0"/>
-              <a:t>Enable to use Same programming language (</a:t>
-            </a:r>
-            <a:r>
-              <a:rPr lang="en-US" dirty="0" err="1"/>
-              <a:t>Javascript</a:t>
-            </a:r>
+              <a:t>It is written in JavaScript and can run on Linux , Mac , Windows , FreeBSD</a:t>
+            </a:r>
+          </a:p>
+          <a:p>
             <a:r>
               <a:rPr lang="en-US" dirty="0"/>
-              <a:t>) for both front-end and back-end</a:t>
-            </a:r>
-          </a:p>
-          <a:p>
+              <a:t> It provided an event driven architecture and a non blocking I/O that optimize and scalability</a:t>
+            </a:r>
+          </a:p>
+          <a:p>
+            <a:r>
+              <a:rPr lang="en-US" dirty="0"/>
+              <a:t> It used Google JavaScript V8 Engine to Execute Code</a:t>
+            </a:r>
+          </a:p>
+          <a:p>
+            <a:r>
+              <a:rPr lang="en-US" dirty="0"/>
+              <a:t>In ‘Node.js’ , ‘JS’ doesn’t mean that its solely written JavaScript. It is 40% JS and 60% C++. </a:t>
+            </a:r>
             <a:endParaRPr lang="en-IL" dirty="0"/>
           </a:p>
         </p:txBody>
@@ -6393,7 +7164,7 @@
     </p:spTree>
     <p:extLst>
       <p:ext uri="{BB962C8B-B14F-4D97-AF65-F5344CB8AC3E}">
-        <p14:creationId xmlns:p14="http://schemas.microsoft.com/office/powerpoint/2010/main" val="2620953792"/>
+        <p14:creationId xmlns:p14="http://schemas.microsoft.com/office/powerpoint/2010/main" val="3409027888"/>
       </p:ext>
     </p:extLst>
   </p:cSld>
@@ -6425,129 +7196,6 @@
           <p:cNvPr id="2" name="Title 1">
             <a:extLst>
               <a:ext uri="{FF2B5EF4-FFF2-40B4-BE49-F238E27FC236}">
-                <a16:creationId xmlns:a16="http://schemas.microsoft.com/office/drawing/2014/main" id="{511D8063-D422-4AFF-97BB-5FAA36E6FCE3}"/>
-              </a:ext>
-            </a:extLst>
-          </p:cNvPr>
-          <p:cNvSpPr>
-            <a:spLocks noGrp="1"/>
-          </p:cNvSpPr>
-          <p:nvPr>
-            <p:ph type="title"/>
-          </p:nvPr>
-        </p:nvSpPr>
-        <p:spPr/>
-        <p:txBody>
-          <a:bodyPr/>
-          <a:lstStyle/>
-          <a:p>
-            <a:r>
-              <a:rPr lang="en-US" dirty="0"/>
-              <a:t>What is Node.js</a:t>
-            </a:r>
-            <a:endParaRPr lang="en-IL" dirty="0"/>
-          </a:p>
-        </p:txBody>
-      </p:sp>
-      <p:sp>
-        <p:nvSpPr>
-          <p:cNvPr id="3" name="Content Placeholder 2">
-            <a:extLst>
-              <a:ext uri="{FF2B5EF4-FFF2-40B4-BE49-F238E27FC236}">
-                <a16:creationId xmlns:a16="http://schemas.microsoft.com/office/drawing/2014/main" id="{E169A54E-3D1E-416F-BBE3-1826957D8F53}"/>
-              </a:ext>
-            </a:extLst>
-          </p:cNvPr>
-          <p:cNvSpPr>
-            <a:spLocks noGrp="1"/>
-          </p:cNvSpPr>
-          <p:nvPr>
-            <p:ph idx="1"/>
-          </p:nvPr>
-        </p:nvSpPr>
-        <p:spPr>
-          <a:xfrm>
-            <a:off x="677334" y="1930400"/>
-            <a:ext cx="8596668" cy="3880773"/>
-          </a:xfrm>
-        </p:spPr>
-        <p:txBody>
-          <a:bodyPr/>
-          <a:lstStyle/>
-          <a:p>
-            <a:r>
-              <a:rPr lang="en-US" dirty="0"/>
-              <a:t>It was created by Ryan Dahl in 2009</a:t>
-            </a:r>
-          </a:p>
-          <a:p>
-            <a:r>
-              <a:rPr lang="en-US" dirty="0"/>
-              <a:t>It is an open source , cross platform runtime environment for server side and networking application</a:t>
-            </a:r>
-          </a:p>
-          <a:p>
-            <a:r>
-              <a:rPr lang="en-US" dirty="0"/>
-              <a:t>It is written in JavaScript and can run on Linux , Mac , Windows , FreeBSD</a:t>
-            </a:r>
-          </a:p>
-          <a:p>
-            <a:r>
-              <a:rPr lang="en-US" dirty="0"/>
-              <a:t> It provided an event driven architecture and a non blocking I/O that optimize and scalability</a:t>
-            </a:r>
-          </a:p>
-          <a:p>
-            <a:r>
-              <a:rPr lang="en-US" dirty="0"/>
-              <a:t> It used Google JavaScript V8 Engine to Execute Code</a:t>
-            </a:r>
-          </a:p>
-          <a:p>
-            <a:r>
-              <a:rPr lang="en-US" dirty="0"/>
-              <a:t>In ‘Node.js’ , ‘JS’ doesn’t mean that its solely written JavaScript. It is 40% JS and 60% C++. </a:t>
-            </a:r>
-            <a:endParaRPr lang="en-IL" dirty="0"/>
-          </a:p>
-        </p:txBody>
-      </p:sp>
-    </p:spTree>
-    <p:extLst>
-      <p:ext uri="{BB962C8B-B14F-4D97-AF65-F5344CB8AC3E}">
-        <p14:creationId xmlns:p14="http://schemas.microsoft.com/office/powerpoint/2010/main" val="3409027888"/>
-      </p:ext>
-    </p:extLst>
-  </p:cSld>
-  <p:clrMapOvr>
-    <a:masterClrMapping/>
-  </p:clrMapOvr>
-</p:sld>
-</file>
-
-<file path=ppt/slides/slide5.xml><?xml version="1.0" encoding="utf-8"?>
-<p:sld xmlns:a="http://schemas.openxmlformats.org/drawingml/2006/main" xmlns:r="http://schemas.openxmlformats.org/officeDocument/2006/relationships" xmlns:p="http://schemas.openxmlformats.org/presentationml/2006/main">
-  <p:cSld>
-    <p:spTree>
-      <p:nvGrpSpPr>
-        <p:cNvPr id="1" name=""/>
-        <p:cNvGrpSpPr/>
-        <p:nvPr/>
-      </p:nvGrpSpPr>
-      <p:grpSpPr>
-        <a:xfrm>
-          <a:off x="0" y="0"/>
-          <a:ext cx="0" cy="0"/>
-          <a:chOff x="0" y="0"/>
-          <a:chExt cx="0" cy="0"/>
-        </a:xfrm>
-      </p:grpSpPr>
-      <p:sp>
-        <p:nvSpPr>
-          <p:cNvPr id="2" name="Title 1">
-            <a:extLst>
-              <a:ext uri="{FF2B5EF4-FFF2-40B4-BE49-F238E27FC236}">
                 <a16:creationId xmlns:a16="http://schemas.microsoft.com/office/drawing/2014/main" id="{1A31C537-1BDD-4835-8522-A3F6D3D8386E}"/>
               </a:ext>
             </a:extLst>
@@ -6590,7 +7238,7 @@
 </p:sld>
 </file>
 
-<file path=ppt/slides/slide6.xml><?xml version="1.0" encoding="utf-8"?>
+<file path=ppt/slides/slide5.xml><?xml version="1.0" encoding="utf-8"?>
 <p:sld xmlns:a="http://schemas.openxmlformats.org/drawingml/2006/main" xmlns:r="http://schemas.openxmlformats.org/officeDocument/2006/relationships" xmlns:p="http://schemas.openxmlformats.org/presentationml/2006/main">
   <p:cSld>
     <p:spTree>
@@ -6750,7 +7398,7 @@
 </p:sld>
 </file>
 
-<file path=ppt/slides/slide7.xml><?xml version="1.0" encoding="utf-8"?>
+<file path=ppt/slides/slide6.xml><?xml version="1.0" encoding="utf-8"?>
 <p:sld xmlns:a="http://schemas.openxmlformats.org/drawingml/2006/main" xmlns:r="http://schemas.openxmlformats.org/officeDocument/2006/relationships" xmlns:p="http://schemas.openxmlformats.org/presentationml/2006/main">
   <p:cSld>
     <p:spTree>
@@ -6856,6 +7504,112 @@
 </p:sld>
 </file>
 
+<file path=ppt/slides/slide7.xml><?xml version="1.0" encoding="utf-8"?>
+<p:sld xmlns:a="http://schemas.openxmlformats.org/drawingml/2006/main" xmlns:r="http://schemas.openxmlformats.org/officeDocument/2006/relationships" xmlns:p="http://schemas.openxmlformats.org/presentationml/2006/main">
+  <p:cSld>
+    <p:spTree>
+      <p:nvGrpSpPr>
+        <p:cNvPr id="1" name=""/>
+        <p:cNvGrpSpPr/>
+        <p:nvPr/>
+      </p:nvGrpSpPr>
+      <p:grpSpPr>
+        <a:xfrm>
+          <a:off x="0" y="0"/>
+          <a:ext cx="0" cy="0"/>
+          <a:chOff x="0" y="0"/>
+          <a:chExt cx="0" cy="0"/>
+        </a:xfrm>
+      </p:grpSpPr>
+      <p:sp>
+        <p:nvSpPr>
+          <p:cNvPr id="2" name="Title 1">
+            <a:extLst>
+              <a:ext uri="{FF2B5EF4-FFF2-40B4-BE49-F238E27FC236}">
+                <a16:creationId xmlns:a16="http://schemas.microsoft.com/office/drawing/2014/main" id="{E9A0F306-706D-46E1-9E65-6EC3B8300BD4}"/>
+              </a:ext>
+            </a:extLst>
+          </p:cNvPr>
+          <p:cNvSpPr>
+            <a:spLocks noGrp="1"/>
+          </p:cNvSpPr>
+          <p:nvPr>
+            <p:ph type="title"/>
+          </p:nvPr>
+        </p:nvSpPr>
+        <p:spPr/>
+        <p:txBody>
+          <a:bodyPr/>
+          <a:lstStyle/>
+          <a:p>
+            <a:r>
+              <a:rPr lang="en-US" dirty="0"/>
+              <a:t>Advantages</a:t>
+            </a:r>
+            <a:endParaRPr lang="en-IL" dirty="0"/>
+          </a:p>
+        </p:txBody>
+      </p:sp>
+      <p:sp>
+        <p:nvSpPr>
+          <p:cNvPr id="3" name="Content Placeholder 2">
+            <a:extLst>
+              <a:ext uri="{FF2B5EF4-FFF2-40B4-BE49-F238E27FC236}">
+                <a16:creationId xmlns:a16="http://schemas.microsoft.com/office/drawing/2014/main" id="{55D7D7CA-E3D5-4273-838C-5BC8673AD77A}"/>
+              </a:ext>
+            </a:extLst>
+          </p:cNvPr>
+          <p:cNvSpPr>
+            <a:spLocks noGrp="1"/>
+          </p:cNvSpPr>
+          <p:nvPr>
+            <p:ph idx="1"/>
+          </p:nvPr>
+        </p:nvSpPr>
+        <p:spPr/>
+        <p:txBody>
+          <a:bodyPr/>
+          <a:lstStyle/>
+          <a:p>
+            <a:r>
+              <a:rPr lang="en-US" dirty="0"/>
+              <a:t>Provide Easy Way to Build Scalable Network Program</a:t>
+            </a:r>
+          </a:p>
+          <a:p>
+            <a:r>
+              <a:rPr lang="en-US" dirty="0"/>
+              <a:t>Node.js are free from worries of dead-locking the process, since there are no locks</a:t>
+            </a:r>
+          </a:p>
+          <a:p>
+            <a:r>
+              <a:rPr lang="en-US" dirty="0"/>
+              <a:t>Almost no function in Node.js directly performs I/O, so the process never blocks</a:t>
+            </a:r>
+          </a:p>
+          <a:p>
+            <a:r>
+              <a:rPr lang="en-US" dirty="0"/>
+              <a:t>Because nothing blocks, scalable systems are very reasonable to develop in Node.js</a:t>
+            </a:r>
+            <a:endParaRPr lang="en-IL" dirty="0"/>
+          </a:p>
+        </p:txBody>
+      </p:sp>
+    </p:spTree>
+    <p:extLst>
+      <p:ext uri="{BB962C8B-B14F-4D97-AF65-F5344CB8AC3E}">
+        <p14:creationId xmlns:p14="http://schemas.microsoft.com/office/powerpoint/2010/main" val="2872944905"/>
+      </p:ext>
+    </p:extLst>
+  </p:cSld>
+  <p:clrMapOvr>
+    <a:masterClrMapping/>
+  </p:clrMapOvr>
+</p:sld>
+</file>
+
 <file path=ppt/slides/slide8.xml><?xml version="1.0" encoding="utf-8"?>
 <p:sld xmlns:a="http://schemas.openxmlformats.org/drawingml/2006/main" xmlns:r="http://schemas.openxmlformats.org/officeDocument/2006/relationships" xmlns:p="http://schemas.openxmlformats.org/presentationml/2006/main">
   <p:cSld>
@@ -6878,7 +7632,7 @@
           <p:cNvPr id="2" name="Title 1">
             <a:extLst>
               <a:ext uri="{FF2B5EF4-FFF2-40B4-BE49-F238E27FC236}">
-                <a16:creationId xmlns:a16="http://schemas.microsoft.com/office/drawing/2014/main" id="{E9A0F306-706D-46E1-9E65-6EC3B8300BD4}"/>
+                <a16:creationId xmlns:a16="http://schemas.microsoft.com/office/drawing/2014/main" id="{12B6F22E-47F2-4640-9F07-6D7B2D69E91E}"/>
               </a:ext>
             </a:extLst>
           </p:cNvPr>
@@ -6896,7 +7650,7 @@
           <a:p>
             <a:r>
               <a:rPr lang="en-US" dirty="0"/>
-              <a:t>Advantages</a:t>
+              <a:t>Why Node.js</a:t>
             </a:r>
             <a:endParaRPr lang="en-IL" dirty="0"/>
           </a:p>
@@ -6907,7 +7661,7 @@
           <p:cNvPr id="3" name="Content Placeholder 2">
             <a:extLst>
               <a:ext uri="{FF2B5EF4-FFF2-40B4-BE49-F238E27FC236}">
-                <a16:creationId xmlns:a16="http://schemas.microsoft.com/office/drawing/2014/main" id="{55D7D7CA-E3D5-4273-838C-5BC8673AD77A}"/>
+                <a16:creationId xmlns:a16="http://schemas.microsoft.com/office/drawing/2014/main" id="{EE31D3AA-4899-411E-BD51-D4DE077DE8C3}"/>
               </a:ext>
             </a:extLst>
           </p:cNvPr>
@@ -6925,26 +7679,30 @@
           <a:p>
             <a:r>
               <a:rPr lang="en-US" dirty="0"/>
-              <a:t>Provide Easy Way to Build Scalable Network Program</a:t>
+              <a:t>Provide Easy Way to Build Scalable Network Programs</a:t>
             </a:r>
           </a:p>
           <a:p>
             <a:r>
               <a:rPr lang="en-US" dirty="0"/>
-              <a:t>Node.js are free from worries of dead-locking the process, since there are no locks</a:t>
+              <a:t>Allows to run JavaScript code in the backend, outside a browse.</a:t>
             </a:r>
           </a:p>
           <a:p>
             <a:r>
               <a:rPr lang="en-US" dirty="0"/>
-              <a:t>Almost no function in Node.js directly performs I/O, so the process never blocks</a:t>
-            </a:r>
-          </a:p>
-          <a:p>
+              <a:t>Enable to use Same programming language (</a:t>
+            </a:r>
+            <a:r>
+              <a:rPr lang="en-US" dirty="0" err="1"/>
+              <a:t>Javascript</a:t>
+            </a:r>
             <a:r>
               <a:rPr lang="en-US" dirty="0"/>
-              <a:t>Because nothing blocks, scalable systems are very reasonable to develop in Node.js</a:t>
-            </a:r>
+              <a:t>) for both front-end and back-end</a:t>
+            </a:r>
+          </a:p>
+          <a:p>
             <a:endParaRPr lang="en-IL" dirty="0"/>
           </a:p>
         </p:txBody>
@@ -6952,7 +7710,7 @@
     </p:spTree>
     <p:extLst>
       <p:ext uri="{BB962C8B-B14F-4D97-AF65-F5344CB8AC3E}">
-        <p14:creationId xmlns:p14="http://schemas.microsoft.com/office/powerpoint/2010/main" val="2872944905"/>
+        <p14:creationId xmlns:p14="http://schemas.microsoft.com/office/powerpoint/2010/main" val="2620953792"/>
       </p:ext>
     </p:extLst>
   </p:cSld>
@@ -6984,7 +7742,7 @@
           <p:cNvPr id="2" name="Title 1">
             <a:extLst>
               <a:ext uri="{FF2B5EF4-FFF2-40B4-BE49-F238E27FC236}">
-                <a16:creationId xmlns:a16="http://schemas.microsoft.com/office/drawing/2014/main" id="{2A3123F0-4C87-45B8-A309-40A158778826}"/>
+                <a16:creationId xmlns:a16="http://schemas.microsoft.com/office/drawing/2014/main" id="{106A6F4D-AF9D-47A6-AD07-4B89270BA2EA}"/>
               </a:ext>
             </a:extLst>
           </p:cNvPr>
@@ -6995,19 +7753,18 @@
             <p:ph type="title"/>
           </p:nvPr>
         </p:nvSpPr>
-        <p:spPr>
-          <a:xfrm>
-            <a:off x="677334" y="609600"/>
-            <a:ext cx="8596668" cy="1320800"/>
-          </a:xfrm>
-        </p:spPr>
+        <p:spPr/>
         <p:txBody>
           <a:bodyPr/>
           <a:lstStyle/>
           <a:p>
             <a:r>
+              <a:rPr lang="en-US"/>
+              <a:t>Demo – </a:t>
+            </a:r>
+            <a:r>
               <a:rPr lang="en-US" dirty="0"/>
-              <a:t>When to use Node.js</a:t>
+              <a:t>Hello World</a:t>
             </a:r>
             <a:endParaRPr lang="en-IL" dirty="0"/>
           </a:p>
@@ -7018,7 +7775,7 @@
           <p:cNvPr id="3" name="Content Placeholder 2">
             <a:extLst>
               <a:ext uri="{FF2B5EF4-FFF2-40B4-BE49-F238E27FC236}">
-                <a16:creationId xmlns:a16="http://schemas.microsoft.com/office/drawing/2014/main" id="{1973982A-C3F8-4B67-803C-D81542F2438F}"/>
+                <a16:creationId xmlns:a16="http://schemas.microsoft.com/office/drawing/2014/main" id="{32A08AFC-7024-4E90-8813-DEB096C1D705}"/>
               </a:ext>
             </a:extLst>
           </p:cNvPr>
@@ -7029,58 +7786,80 @@
             <p:ph idx="1"/>
           </p:nvPr>
         </p:nvSpPr>
-        <p:spPr/>
+        <p:spPr>
+          <a:xfrm>
+            <a:off x="677334" y="1645684"/>
+            <a:ext cx="8596668" cy="3880773"/>
+          </a:xfrm>
+        </p:spPr>
         <p:txBody>
           <a:bodyPr/>
           <a:lstStyle/>
           <a:p>
             <a:r>
               <a:rPr lang="en-US" dirty="0"/>
-              <a:t>Few CPU Cycles </a:t>
-            </a:r>
-          </a:p>
-          <a:p>
+              <a:t>Target: Print “Hello World”;</a:t>
+            </a:r>
+          </a:p>
+          <a:p>
+            <a:pPr lvl="1"/>
             <a:r>
               <a:rPr lang="en-US" dirty="0"/>
-              <a:t>I/O Operations</a:t>
-            </a:r>
-          </a:p>
-          <a:p>
+              <a:t>Open CMD</a:t>
+            </a:r>
+          </a:p>
+          <a:p>
+            <a:pPr lvl="1"/>
             <a:r>
               <a:rPr lang="en-US" dirty="0"/>
-              <a:t>Chat/ messaging</a:t>
-            </a:r>
-          </a:p>
-          <a:p>
+              <a:t>Type “node” to start node process</a:t>
+            </a:r>
+          </a:p>
+          <a:p>
+            <a:pPr lvl="1"/>
             <a:r>
               <a:rPr lang="en-US" dirty="0"/>
-              <a:t>Real – Time Applications</a:t>
-            </a:r>
-          </a:p>
-          <a:p>
-            <a:r>
-              <a:rPr lang="en-US" dirty="0"/>
-              <a:t>Communication Hubs</a:t>
-            </a:r>
-          </a:p>
-          <a:p>
-            <a:r>
-              <a:rPr lang="en-US" dirty="0"/>
-              <a:t>High Concurrency Applications</a:t>
-            </a:r>
-          </a:p>
-          <a:p>
-            <a:r>
-              <a:rPr lang="en-US" dirty="0"/>
-              <a:t>Microservices</a:t>
-            </a:r>
-          </a:p>
-        </p:txBody>
-      </p:sp>
+              <a:t>Type “console.log(‘Hello World’)”</a:t>
+            </a:r>
+          </a:p>
+          <a:p>
+            <a:endParaRPr lang="en-IL" dirty="0"/>
+          </a:p>
+        </p:txBody>
+      </p:sp>
+      <p:pic>
+        <p:nvPicPr>
+          <p:cNvPr id="5" name="Picture 4">
+            <a:extLst>
+              <a:ext uri="{FF2B5EF4-FFF2-40B4-BE49-F238E27FC236}">
+                <a16:creationId xmlns:a16="http://schemas.microsoft.com/office/drawing/2014/main" id="{4D072C61-7B58-4556-AF31-FFA5A48E1BFD}"/>
+              </a:ext>
+            </a:extLst>
+          </p:cNvPr>
+          <p:cNvPicPr>
+            <a:picLocks noChangeAspect="1"/>
+          </p:cNvPicPr>
+          <p:nvPr/>
+        </p:nvPicPr>
+        <p:blipFill rotWithShape="1">
+          <a:blip r:embed="rId2"/>
+          <a:srcRect b="8648"/>
+          <a:stretch/>
+        </p:blipFill>
+        <p:spPr>
+          <a:xfrm>
+            <a:off x="5370018" y="1863378"/>
+            <a:ext cx="5759295" cy="1103106"/>
+          </a:xfrm>
+          <a:prstGeom prst="rect">
+            <a:avLst/>
+          </a:prstGeom>
+        </p:spPr>
+      </p:pic>
     </p:spTree>
     <p:extLst>
       <p:ext uri="{BB962C8B-B14F-4D97-AF65-F5344CB8AC3E}">
-        <p14:creationId xmlns:p14="http://schemas.microsoft.com/office/powerpoint/2010/main" val="139679299"/>
+        <p14:creationId xmlns:p14="http://schemas.microsoft.com/office/powerpoint/2010/main" val="3413697331"/>
       </p:ext>
     </p:extLst>
   </p:cSld>
